--- a/Documents/Remote_attacks_and_backdoors.pptx
+++ b/Documents/Remote_attacks_and_backdoors.pptx
@@ -15,10 +15,11 @@
     <p:sldId id="272" r:id="rId12"/>
     <p:sldId id="273" r:id="rId13"/>
     <p:sldId id="262" r:id="rId14"/>
-    <p:sldId id="274" r:id="rId15"/>
-    <p:sldId id="275" r:id="rId16"/>
-    <p:sldId id="264" r:id="rId17"/>
-    <p:sldId id="267" r:id="rId18"/>
+    <p:sldId id="276" r:id="rId15"/>
+    <p:sldId id="274" r:id="rId16"/>
+    <p:sldId id="275" r:id="rId17"/>
+    <p:sldId id="264" r:id="rId18"/>
+    <p:sldId id="267" r:id="rId19"/>
   </p:sldIdLst>
   <p:sldSz cx="12192000" cy="6858000"/>
   <p:notesSz cx="6858000" cy="9144000"/>
@@ -128,7 +129,7 @@
 <file path=ppt/revisionInfo.xml><?xml version="1.0" encoding="utf-8"?>
 <p1510:revInfo xmlns:a="http://schemas.openxmlformats.org/drawingml/2006/main" xmlns:r="http://schemas.openxmlformats.org/officeDocument/2006/relationships" xmlns:p1510="http://schemas.microsoft.com/office/powerpoint/2015/10/main">
   <p1510:revLst>
-    <p1510:client id="{0E6B5D30-E784-4DA3-A1ED-8FFBBF9A845B}" v="80" dt="2020-05-01T01:03:13.689"/>
+    <p1510:client id="{0E6B5D30-E784-4DA3-A1ED-8FFBBF9A845B}" v="82" dt="2020-05-05T21:10:30.208"/>
   </p1510:revLst>
 </p1510:revInfo>
 </file>
@@ -602,7 +603,7 @@
           <a:p>
             <a:fld id="{EA0C0817-A112-4847-8014-A94B7D2A4EA3}" type="datetime1">
               <a:rPr lang="en-US" smtClean="0"/>
-              <a:t>4/29/2020</a:t>
+              <a:t>5/5/2020</a:t>
             </a:fld>
             <a:endParaRPr lang="en-US" dirty="0"/>
           </a:p>
@@ -804,7 +805,7 @@
           <a:p>
             <a:fld id="{7332B432-ACDA-4023-A761-2BAB76577B62}" type="datetime1">
               <a:rPr lang="en-US" smtClean="0"/>
-              <a:t>4/29/2020</a:t>
+              <a:t>5/5/2020</a:t>
             </a:fld>
             <a:endParaRPr lang="en-US" dirty="0"/>
           </a:p>
@@ -1403,7 +1404,7 @@
           <a:p>
             <a:fld id="{D9C646AA-F36E-4540-911D-FFFC0A0EF24A}" type="datetime1">
               <a:rPr lang="en-US" smtClean="0"/>
-              <a:t>4/29/2020</a:t>
+              <a:t>5/5/2020</a:t>
             </a:fld>
             <a:endParaRPr lang="en-US" dirty="0"/>
           </a:p>
@@ -1723,7 +1724,7 @@
           <a:p>
             <a:fld id="{69186D26-FA5F-4637-B602-B7C2DC34CFD4}" type="datetime1">
               <a:rPr lang="en-US" smtClean="0"/>
-              <a:t>4/29/2020</a:t>
+              <a:t>5/5/2020</a:t>
             </a:fld>
             <a:endParaRPr lang="en-US" dirty="0"/>
           </a:p>
@@ -2160,7 +2161,7 @@
           <a:p>
             <a:fld id="{8A7F15D8-96D1-4781-BC50-CA8A088B2FE4}" type="datetime1">
               <a:rPr lang="en-US" smtClean="0"/>
-              <a:t>4/29/2020</a:t>
+              <a:t>5/5/2020</a:t>
             </a:fld>
             <a:endParaRPr lang="en-US" dirty="0"/>
           </a:p>
@@ -2278,7 +2279,7 @@
           <a:p>
             <a:fld id="{F9A96C99-B8F8-4528-BD05-0E16E943DC09}" type="datetime1">
               <a:rPr lang="en-US" smtClean="0"/>
-              <a:t>4/29/2020</a:t>
+              <a:t>5/5/2020</a:t>
             </a:fld>
             <a:endParaRPr lang="en-US" dirty="0"/>
           </a:p>
@@ -2373,7 +2374,7 @@
           <a:p>
             <a:fld id="{03636942-C211-4B28-8DBD-C953E00AF71B}" type="datetime1">
               <a:rPr lang="en-US" smtClean="0"/>
-              <a:t>4/29/2020</a:t>
+              <a:t>5/5/2020</a:t>
             </a:fld>
             <a:endParaRPr lang="en-US" dirty="0"/>
           </a:p>
@@ -2790,7 +2791,7 @@
           <a:p>
             <a:fld id="{7E8D12A6-918A-48BD-8CB9-CA713993B0EA}" type="datetime1">
               <a:rPr lang="en-US" smtClean="0"/>
-              <a:t>4/29/2020</a:t>
+              <a:t>5/5/2020</a:t>
             </a:fld>
             <a:endParaRPr lang="en-US" dirty="0"/>
           </a:p>
@@ -3052,7 +3053,7 @@
             <a:fld id="{E778CE86-875F-4587-BCF6-FA054AFC0D53}" type="datetime1">
               <a:rPr lang="en-US" smtClean="0"/>
               <a:pPr/>
-              <a:t>4/29/2020</a:t>
+              <a:t>5/5/2020</a:t>
             </a:fld>
             <a:endParaRPr lang="en-US" dirty="0"/>
           </a:p>
@@ -3568,7 +3569,7 @@
           <a:p>
             <a:fld id="{F6FA2B21-3FCD-4721-B95C-427943F61125}" type="datetime1">
               <a:rPr lang="en-US" smtClean="0"/>
-              <a:t>4/29/2020</a:t>
+              <a:t>5/5/2020</a:t>
             </a:fld>
             <a:endParaRPr lang="en-US" dirty="0"/>
           </a:p>
@@ -4191,7 +4192,7 @@
         </p:spPr>
         <p:txBody>
           <a:bodyPr>
-            <a:normAutofit fontScale="90000"/>
+            <a:normAutofit/>
           </a:bodyPr>
           <a:lstStyle/>
           <a:p>
@@ -4201,7 +4202,7 @@
                   <a:schemeClr val="tx1"/>
                 </a:solidFill>
               </a:rPr>
-              <a:t>Remote attacks and backdoors</a:t>
+              <a:t>Remote access</a:t>
             </a:r>
           </a:p>
         </p:txBody>
@@ -4733,7 +4734,7 @@
           <p:cNvPr id="2" name="Title 1">
             <a:extLst>
               <a:ext uri="{FF2B5EF4-FFF2-40B4-BE49-F238E27FC236}">
-                <a16:creationId xmlns:a16="http://schemas.microsoft.com/office/drawing/2014/main" id="{4CD00E24-6056-4F28-ABF5-B16BA40A7EB1}"/>
+                <a16:creationId xmlns:a16="http://schemas.microsoft.com/office/drawing/2014/main" id="{7D95435C-27A4-45DA-B04D-67D6253DDA3F}"/>
               </a:ext>
             </a:extLst>
           </p:cNvPr>
@@ -4751,7 +4752,7 @@
           <a:p>
             <a:r>
               <a:rPr lang="en-US" dirty="0"/>
-              <a:t>How to gain entry using the backdoor</a:t>
+              <a:t>Getting the payload to run</a:t>
             </a:r>
           </a:p>
         </p:txBody>
@@ -4761,7 +4762,7 @@
           <p:cNvPr id="3" name="Content Placeholder 2">
             <a:extLst>
               <a:ext uri="{FF2B5EF4-FFF2-40B4-BE49-F238E27FC236}">
-                <a16:creationId xmlns:a16="http://schemas.microsoft.com/office/drawing/2014/main" id="{2228875F-9358-4271-9BBE-90829BC34673}"/>
+                <a16:creationId xmlns:a16="http://schemas.microsoft.com/office/drawing/2014/main" id="{E3A6E815-F2D9-4E95-AE8F-FCBCA9ED82C3}"/>
               </a:ext>
             </a:extLst>
           </p:cNvPr>
@@ -4777,17 +4778,47 @@
           <a:bodyPr/>
           <a:lstStyle/>
           <a:p>
-            <a:pPr marL="0" indent="0">
-              <a:buNone/>
-            </a:pPr>
-            <a:endParaRPr lang="en-US" dirty="0"/>
-          </a:p>
-        </p:txBody>
-      </p:sp>
+            <a:r>
+              <a:rPr lang="en-US" dirty="0"/>
+              <a:t>This is where we run into trouble. We try to use a .desktop file to run our script once it is downloaded, but so far the only we can rely on the payload to be executed is if the user runs the program themselves. We can increase the likelihood of this by changing the payload to something less obviously harmful, like a software updater from CISCO. </a:t>
+            </a:r>
+          </a:p>
+        </p:txBody>
+      </p:sp>
+      <p:pic>
+        <p:nvPicPr>
+          <p:cNvPr id="4" name="Picture 3">
+            <a:extLst>
+              <a:ext uri="{FF2B5EF4-FFF2-40B4-BE49-F238E27FC236}">
+                <a16:creationId xmlns:a16="http://schemas.microsoft.com/office/drawing/2014/main" id="{11096B49-DB57-4C24-8608-3153C0791BDE}"/>
+              </a:ext>
+            </a:extLst>
+          </p:cNvPr>
+          <p:cNvPicPr>
+            <a:picLocks noChangeAspect="1"/>
+          </p:cNvPicPr>
+          <p:nvPr/>
+        </p:nvPicPr>
+        <p:blipFill>
+          <a:blip r:embed="rId2"/>
+          <a:stretch>
+            <a:fillRect/>
+          </a:stretch>
+        </p:blipFill>
+        <p:spPr>
+          <a:xfrm>
+            <a:off x="2652173" y="3429000"/>
+            <a:ext cx="6105525" cy="2247900"/>
+          </a:xfrm>
+          <a:prstGeom prst="rect">
+            <a:avLst/>
+          </a:prstGeom>
+        </p:spPr>
+      </p:pic>
     </p:spTree>
     <p:extLst>
       <p:ext uri="{BB962C8B-B14F-4D97-AF65-F5344CB8AC3E}">
-        <p14:creationId xmlns:p14="http://schemas.microsoft.com/office/powerpoint/2010/main" val="4256713488"/>
+        <p14:creationId xmlns:p14="http://schemas.microsoft.com/office/powerpoint/2010/main" val="1077868527"/>
       </p:ext>
     </p:extLst>
   </p:cSld>
@@ -4819,7 +4850,7 @@
           <p:cNvPr id="2" name="Title 1">
             <a:extLst>
               <a:ext uri="{FF2B5EF4-FFF2-40B4-BE49-F238E27FC236}">
-                <a16:creationId xmlns:a16="http://schemas.microsoft.com/office/drawing/2014/main" id="{FB11334E-D429-4D24-9DFF-005C0E0FB1A2}"/>
+                <a16:creationId xmlns:a16="http://schemas.microsoft.com/office/drawing/2014/main" id="{4CD00E24-6056-4F28-ABF5-B16BA40A7EB1}"/>
               </a:ext>
             </a:extLst>
           </p:cNvPr>
@@ -4837,7 +4868,7 @@
           <a:p>
             <a:r>
               <a:rPr lang="en-US" dirty="0"/>
-              <a:t>Limitations</a:t>
+              <a:t>How to gain entry using the backdoor</a:t>
             </a:r>
           </a:p>
         </p:txBody>
@@ -4847,7 +4878,7 @@
           <p:cNvPr id="3" name="Content Placeholder 2">
             <a:extLst>
               <a:ext uri="{FF2B5EF4-FFF2-40B4-BE49-F238E27FC236}">
-                <a16:creationId xmlns:a16="http://schemas.microsoft.com/office/drawing/2014/main" id="{D74AB65D-ABCA-4E07-8F06-339C2E903A74}"/>
+                <a16:creationId xmlns:a16="http://schemas.microsoft.com/office/drawing/2014/main" id="{2228875F-9358-4271-9BBE-90829BC34673}"/>
               </a:ext>
             </a:extLst>
           </p:cNvPr>
@@ -4863,15 +4894,160 @@
           <a:bodyPr/>
           <a:lstStyle/>
           <a:p>
+            <a:pPr marL="0" indent="0">
+              <a:buNone/>
+            </a:pPr>
             <a:r>
               <a:rPr lang="en-US" dirty="0"/>
-              <a:t>The computer that we want to attack must be a Linux or UNIX flavor that has a bash shell before the patch to Shellshock was introduced on Sept 24, 2014 (Version 4.3). </a:t>
-            </a:r>
-          </a:p>
-          <a:p>
+              <a:t>All the attacker has to do now is listen on the port 4444 using </a:t>
+            </a:r>
+            <a:r>
+              <a:rPr lang="en-US" dirty="0" err="1"/>
+              <a:t>netcat</a:t>
+            </a:r>
             <a:r>
               <a:rPr lang="en-US" dirty="0"/>
-              <a:t>The user must also have permissions on the computer to be able to create and edit their own crontabs so that the payload can be executed automatically every minute.</a:t>
+              <a:t>.  </a:t>
+            </a:r>
+          </a:p>
+        </p:txBody>
+      </p:sp>
+      <p:pic>
+        <p:nvPicPr>
+          <p:cNvPr id="1028" name="Picture 4">
+            <a:extLst>
+              <a:ext uri="{FF2B5EF4-FFF2-40B4-BE49-F238E27FC236}">
+                <a16:creationId xmlns:a16="http://schemas.microsoft.com/office/drawing/2014/main" id="{B5917DC4-F647-46D8-94C2-B9F2493DCE5D}"/>
+              </a:ext>
+            </a:extLst>
+          </p:cNvPr>
+          <p:cNvPicPr>
+            <a:picLocks noChangeAspect="1" noChangeArrowheads="1"/>
+          </p:cNvPicPr>
+          <p:nvPr/>
+        </p:nvPicPr>
+        <p:blipFill>
+          <a:blip r:embed="rId2">
+            <a:extLst>
+              <a:ext uri="{28A0092B-C50C-407E-A947-70E740481C1C}">
+                <a14:useLocalDpi xmlns:a14="http://schemas.microsoft.com/office/drawing/2010/main" val="0"/>
+              </a:ext>
+            </a:extLst>
+          </a:blip>
+          <a:srcRect/>
+          <a:stretch>
+            <a:fillRect/>
+          </a:stretch>
+        </p:blipFill>
+        <p:spPr bwMode="auto">
+          <a:xfrm>
+            <a:off x="2165678" y="3237785"/>
+            <a:ext cx="7458075" cy="704850"/>
+          </a:xfrm>
+          <a:prstGeom prst="rect">
+            <a:avLst/>
+          </a:prstGeom>
+          <a:noFill/>
+          <a:extLst>
+            <a:ext uri="{909E8E84-426E-40DD-AFC4-6F175D3DCCD1}">
+              <a14:hiddenFill xmlns:a14="http://schemas.microsoft.com/office/drawing/2010/main">
+                <a:solidFill>
+                  <a:srgbClr val="FFFFFF"/>
+                </a:solidFill>
+              </a14:hiddenFill>
+            </a:ext>
+          </a:extLst>
+        </p:spPr>
+      </p:pic>
+      <p:sp>
+        <p:nvSpPr>
+          <p:cNvPr id="4" name="Arrow: Right 3">
+            <a:extLst>
+              <a:ext uri="{FF2B5EF4-FFF2-40B4-BE49-F238E27FC236}">
+                <a16:creationId xmlns:a16="http://schemas.microsoft.com/office/drawing/2014/main" id="{15582F46-D706-4567-BB86-3799B6909078}"/>
+              </a:ext>
+            </a:extLst>
+          </p:cNvPr>
+          <p:cNvSpPr/>
+          <p:nvPr/>
+        </p:nvSpPr>
+        <p:spPr>
+          <a:xfrm rot="10800000">
+            <a:off x="5308120" y="3261186"/>
+            <a:ext cx="713117" cy="136656"/>
+          </a:xfrm>
+          <a:prstGeom prst="rightArrow">
+            <a:avLst/>
+          </a:prstGeom>
+          <a:solidFill>
+            <a:srgbClr val="FF0000"/>
+          </a:solidFill>
+          <a:ln>
+            <a:solidFill>
+              <a:srgbClr val="FF0000"/>
+            </a:solidFill>
+          </a:ln>
+        </p:spPr>
+        <p:style>
+          <a:lnRef idx="2">
+            <a:schemeClr val="accent1">
+              <a:shade val="50000"/>
+            </a:schemeClr>
+          </a:lnRef>
+          <a:fillRef idx="1">
+            <a:schemeClr val="accent1"/>
+          </a:fillRef>
+          <a:effectRef idx="0">
+            <a:schemeClr val="accent1"/>
+          </a:effectRef>
+          <a:fontRef idx="minor">
+            <a:schemeClr val="lt1"/>
+          </a:fontRef>
+        </p:style>
+        <p:txBody>
+          <a:bodyPr rtlCol="0" anchor="ctr"/>
+          <a:lstStyle/>
+          <a:p>
+            <a:pPr algn="ctr"/>
+            <a:endParaRPr lang="en-US"/>
+          </a:p>
+        </p:txBody>
+      </p:sp>
+      <p:sp>
+        <p:nvSpPr>
+          <p:cNvPr id="5" name="TextBox 4">
+            <a:extLst>
+              <a:ext uri="{FF2B5EF4-FFF2-40B4-BE49-F238E27FC236}">
+                <a16:creationId xmlns:a16="http://schemas.microsoft.com/office/drawing/2014/main" id="{D5104EFC-8DB2-4DA1-BBB3-71F44B4323D5}"/>
+              </a:ext>
+            </a:extLst>
+          </p:cNvPr>
+          <p:cNvSpPr txBox="1"/>
+          <p:nvPr/>
+        </p:nvSpPr>
+        <p:spPr>
+          <a:xfrm>
+            <a:off x="5983405" y="3182399"/>
+            <a:ext cx="3640348" cy="430887"/>
+          </a:xfrm>
+          <a:prstGeom prst="rect">
+            <a:avLst/>
+          </a:prstGeom>
+          <a:noFill/>
+        </p:spPr>
+        <p:txBody>
+          <a:bodyPr wrap="square" rtlCol="0">
+            <a:spAutoFit/>
+          </a:bodyPr>
+          <a:lstStyle/>
+          <a:p>
+            <a:r>
+              <a:rPr lang="en-US" sz="1100" dirty="0">
+                <a:solidFill>
+                  <a:schemeClr val="bg1"/>
+                </a:solidFill>
+              </a:rPr>
+              <a:t>Blocks here until the compromised machine runs the script again</a:t>
             </a:r>
           </a:p>
         </p:txBody>
@@ -4879,7 +5055,7 @@
     </p:spTree>
     <p:extLst>
       <p:ext uri="{BB962C8B-B14F-4D97-AF65-F5344CB8AC3E}">
-        <p14:creationId xmlns:p14="http://schemas.microsoft.com/office/powerpoint/2010/main" val="2482652369"/>
+        <p14:creationId xmlns:p14="http://schemas.microsoft.com/office/powerpoint/2010/main" val="4256713488"/>
       </p:ext>
     </p:extLst>
   </p:cSld>
@@ -4911,6 +5087,98 @@
           <p:cNvPr id="2" name="Title 1">
             <a:extLst>
               <a:ext uri="{FF2B5EF4-FFF2-40B4-BE49-F238E27FC236}">
+                <a16:creationId xmlns:a16="http://schemas.microsoft.com/office/drawing/2014/main" id="{FB11334E-D429-4D24-9DFF-005C0E0FB1A2}"/>
+              </a:ext>
+            </a:extLst>
+          </p:cNvPr>
+          <p:cNvSpPr>
+            <a:spLocks noGrp="1"/>
+          </p:cNvSpPr>
+          <p:nvPr>
+            <p:ph type="title"/>
+          </p:nvPr>
+        </p:nvSpPr>
+        <p:spPr/>
+        <p:txBody>
+          <a:bodyPr/>
+          <a:lstStyle/>
+          <a:p>
+            <a:r>
+              <a:rPr lang="en-US" dirty="0"/>
+              <a:t>Limitations</a:t>
+            </a:r>
+          </a:p>
+        </p:txBody>
+      </p:sp>
+      <p:sp>
+        <p:nvSpPr>
+          <p:cNvPr id="3" name="Content Placeholder 2">
+            <a:extLst>
+              <a:ext uri="{FF2B5EF4-FFF2-40B4-BE49-F238E27FC236}">
+                <a16:creationId xmlns:a16="http://schemas.microsoft.com/office/drawing/2014/main" id="{D74AB65D-ABCA-4E07-8F06-339C2E903A74}"/>
+              </a:ext>
+            </a:extLst>
+          </p:cNvPr>
+          <p:cNvSpPr>
+            <a:spLocks noGrp="1"/>
+          </p:cNvSpPr>
+          <p:nvPr>
+            <p:ph idx="1"/>
+          </p:nvPr>
+        </p:nvSpPr>
+        <p:spPr/>
+        <p:txBody>
+          <a:bodyPr/>
+          <a:lstStyle/>
+          <a:p>
+            <a:r>
+              <a:rPr lang="en-US" dirty="0"/>
+              <a:t>The computer that we want to attack must be a Linux or UNIX flavor that has a bash shell before the patch to Shellshock was introduced on Sept 24, 2014 (Version 4.3). </a:t>
+            </a:r>
+          </a:p>
+          <a:p>
+            <a:r>
+              <a:rPr lang="en-US" dirty="0"/>
+              <a:t>The user must also have permissions on the computer to be able to create and edit their own crontabs so that the payload can be executed automatically every minute.</a:t>
+            </a:r>
+          </a:p>
+        </p:txBody>
+      </p:sp>
+    </p:spTree>
+    <p:extLst>
+      <p:ext uri="{BB962C8B-B14F-4D97-AF65-F5344CB8AC3E}">
+        <p14:creationId xmlns:p14="http://schemas.microsoft.com/office/powerpoint/2010/main" val="2482652369"/>
+      </p:ext>
+    </p:extLst>
+  </p:cSld>
+  <p:clrMapOvr>
+    <a:masterClrMapping/>
+  </p:clrMapOvr>
+</p:sld>
+</file>
+
+<file path=ppt/slides/slide14.xml><?xml version="1.0" encoding="utf-8"?>
+<p:sld xmlns:a="http://schemas.openxmlformats.org/drawingml/2006/main" xmlns:r="http://schemas.openxmlformats.org/officeDocument/2006/relationships" xmlns:p="http://schemas.openxmlformats.org/presentationml/2006/main">
+  <p:cSld>
+    <p:spTree>
+      <p:nvGrpSpPr>
+        <p:cNvPr id="1" name=""/>
+        <p:cNvGrpSpPr/>
+        <p:nvPr/>
+      </p:nvGrpSpPr>
+      <p:grpSpPr>
+        <a:xfrm>
+          <a:off x="0" y="0"/>
+          <a:ext cx="0" cy="0"/>
+          <a:chOff x="0" y="0"/>
+          <a:chExt cx="0" cy="0"/>
+        </a:xfrm>
+      </p:grpSpPr>
+      <p:sp>
+        <p:nvSpPr>
+          <p:cNvPr id="2" name="Title 1">
+            <a:extLst>
+              <a:ext uri="{FF2B5EF4-FFF2-40B4-BE49-F238E27FC236}">
                 <a16:creationId xmlns:a16="http://schemas.microsoft.com/office/drawing/2014/main" id="{6ECE95BE-A37B-4AEA-8EAD-BC69FE8DE1D7}"/>
               </a:ext>
             </a:extLst>
@@ -4957,14 +5225,9 @@
           </a:bodyPr>
           <a:lstStyle/>
           <a:p>
-            <a:r>
-              <a:rPr lang="en-US" dirty="0">
-                <a:hlinkClick r:id="rId2"/>
-              </a:rPr>
-              <a:t>https://www.cnet.com/news/five-ways-to-protect-yourself-from-wi-fi-honeypots/#!</a:t>
-            </a:r>
-          </a:p>
-          <a:p>
+            <a:pPr marL="0" indent="0">
+              <a:buNone/>
+            </a:pPr>
             <a:r>
               <a:rPr lang="en-US" b="1" dirty="0"/>
               <a:t>1. Turn off Wi-Fi capabilities when you’re not using them</a:t>
@@ -4972,6 +5235,9 @@
             <a:endParaRPr lang="en-US" dirty="0"/>
           </a:p>
           <a:p>
+            <a:pPr marL="0" indent="0">
+              <a:buNone/>
+            </a:pPr>
             <a:r>
               <a:rPr lang="en-US" b="1" dirty="0"/>
               <a:t>2. Avoid open Wi-Fi networks</a:t>
@@ -4985,6 +5251,9 @@
             </a:r>
           </a:p>
           <a:p>
+            <a:pPr marL="0" indent="0">
+              <a:buNone/>
+            </a:pPr>
             <a:r>
               <a:rPr lang="en-US" b="1" dirty="0"/>
               <a:t>3. Use a VPN</a:t>
@@ -4992,6 +5261,9 @@
             <a:endParaRPr lang="en-US" dirty="0"/>
           </a:p>
           <a:p>
+            <a:pPr marL="0" indent="0">
+              <a:buNone/>
+            </a:pPr>
             <a:r>
               <a:rPr lang="en-US" b="1" dirty="0"/>
               <a:t>4. Do not leave obsolete devices connected to networks</a:t>
@@ -5005,6 +5277,9 @@
             </a:r>
           </a:p>
           <a:p>
+            <a:pPr marL="0" indent="0">
+              <a:buNone/>
+            </a:pPr>
             <a:r>
               <a:rPr lang="en-US" b="1" dirty="0"/>
               <a:t>5. Change your passwords often</a:t>
@@ -5018,6 +5293,9 @@
             </a:r>
           </a:p>
           <a:p>
+            <a:pPr marL="0" indent="0">
+              <a:buNone/>
+            </a:pPr>
             <a:r>
               <a:rPr lang="en-US" b="1" dirty="0"/>
               <a:t>6. Don’t click on suspicious links</a:t>
@@ -5038,7 +5316,7 @@
 </p:sld>
 </file>
 
-<file path=ppt/slides/slide14.xml><?xml version="1.0" encoding="utf-8"?>
+<file path=ppt/slides/slide15.xml><?xml version="1.0" encoding="utf-8"?>
 <p:sld xmlns:a="http://schemas.openxmlformats.org/drawingml/2006/main" xmlns:r="http://schemas.openxmlformats.org/officeDocument/2006/relationships" xmlns:p="http://schemas.openxmlformats.org/presentationml/2006/main">
   <p:cSld>
     <p:spTree>
@@ -5312,7 +5590,7 @@
         <p:spPr/>
         <p:txBody>
           <a:bodyPr>
-            <a:normAutofit lnSpcReduction="10000"/>
+            <a:normAutofit/>
           </a:bodyPr>
           <a:lstStyle/>
           <a:p>
@@ -5324,11 +5602,11 @@
           <a:p>
             <a:r>
               <a:rPr lang="en-US" sz="1800" b="1" dirty="0"/>
-              <a:t>Shellshock/Backdoor: </a:t>
+              <a:t>Shellshock/Backdoor: V</a:t>
             </a:r>
             <a:r>
               <a:rPr lang="en-US" sz="1800" dirty="0"/>
-              <a:t>Using a vulnerability in Bash shells from version 1.0.3 (Sept 1, 1989) to 4.3 (Sept 24, 2014) we are able to create a reverse shell on a victim’s machine without the user detecting any odd or suspicious behavior. We also use other Linux utilities like crontab to execute our payload every minute.</a:t>
+              <a:t>ulnerability in Bash shells from version 1.0.3 (Sept 1, 1989) to 4.3 (Sept 24, 2014). We can create a reverse shell on a victim’s machine without the user detecting any odd or suspicious behavior. We also use other Linux utilities like crontab to execute our payload every minute.</a:t>
             </a:r>
           </a:p>
           <a:p>
@@ -5346,15 +5624,7 @@
             </a:r>
             <a:r>
               <a:rPr lang="en-US" sz="1800" dirty="0"/>
-              <a:t>In combination with Man-in-the-middle attacks like deauthorization, we are able to kick devices off a network and make them automatically connect back onto our network, where we redirect their traffic to our own webpage. Our webpage is how we install the payload onto the victim’s device using </a:t>
-            </a:r>
-            <a:r>
-              <a:rPr lang="en-US" sz="1800" dirty="0" err="1"/>
-              <a:t>javascript</a:t>
-            </a:r>
-            <a:r>
-              <a:rPr lang="en-US" sz="1800" dirty="0"/>
-              <a:t>.</a:t>
+              <a:t>A flavor of Man-in-the-middle attacks, deauthorization are able to to kick devices off a network and make them automatically connect back onto a spoofed network, where traffic is redirected to a malicious webpage that downloads our shellshock script onto the user’s device.</a:t>
             </a:r>
             <a:endParaRPr lang="en-US" sz="1800" b="1" dirty="0"/>
           </a:p>
@@ -5747,7 +6017,7 @@
           <a:p>
             <a:r>
               <a:rPr lang="en-US" dirty="0"/>
-              <a:t>These scripts can be combined together into a single script, either by copy + pasting or a script that executes each smaller script sequentially, along with a few parameters like the name of the network you want to spoof, or what webpage you would like to use (if you have other versions of a captive portal).</a:t>
+              <a:t>These scripts can be combined together into a single script to help reduce the complexity for end-users, and even accept a few optional parameters, like the name of the network you would like to spoof, the MAC address you would like to use, etc.</a:t>
             </a:r>
           </a:p>
         </p:txBody>
@@ -6462,7 +6732,66 @@
           <a:bodyPr/>
           <a:lstStyle/>
           <a:p>
-            <a:endParaRPr lang="en-US" dirty="0"/>
+            <a:r>
+              <a:rPr lang="en-US" dirty="0"/>
+              <a:t>In order to achieve some sense </a:t>
+            </a:r>
+            <a:br>
+              <a:rPr lang="en-US" dirty="0"/>
+            </a:br>
+            <a:r>
+              <a:rPr lang="en-US" dirty="0"/>
+              <a:t>of anonymity, we quickly</a:t>
+            </a:r>
+            <a:br>
+              <a:rPr lang="en-US" dirty="0"/>
+            </a:br>
+            <a:r>
+              <a:rPr lang="en-US" dirty="0"/>
+              <a:t>download the shellshock</a:t>
+            </a:r>
+            <a:br>
+              <a:rPr lang="en-US" dirty="0"/>
+            </a:br>
+            <a:r>
+              <a:rPr lang="en-US" dirty="0"/>
+              <a:t>script and redirect the user to</a:t>
+            </a:r>
+            <a:br>
+              <a:rPr lang="en-US" dirty="0"/>
+            </a:br>
+            <a:r>
+              <a:rPr lang="en-US" dirty="0"/>
+              <a:t>the real Google landing page.</a:t>
+            </a:r>
+            <a:br>
+              <a:rPr lang="en-US" dirty="0"/>
+            </a:br>
+            <a:r>
+              <a:rPr lang="en-US" dirty="0"/>
+              <a:t>This process happens in a matter</a:t>
+            </a:r>
+            <a:br>
+              <a:rPr lang="en-US" dirty="0"/>
+            </a:br>
+            <a:r>
+              <a:rPr lang="en-US" dirty="0"/>
+              <a:t>of seconds, so while an attentive</a:t>
+            </a:r>
+            <a:br>
+              <a:rPr lang="en-US" dirty="0"/>
+            </a:br>
+            <a:r>
+              <a:rPr lang="en-US" dirty="0"/>
+              <a:t>user might notice, a distracted or</a:t>
+            </a:r>
+            <a:br>
+              <a:rPr lang="en-US" dirty="0"/>
+            </a:br>
+            <a:r>
+              <a:rPr lang="en-US" dirty="0"/>
+              <a:t>misinformed user might miss it. </a:t>
+            </a:r>
           </a:p>
         </p:txBody>
       </p:sp>
@@ -6488,7 +6817,7 @@
         </p:blipFill>
         <p:spPr>
           <a:xfrm>
-            <a:off x="2236450" y="1942201"/>
+            <a:off x="4467816" y="1862931"/>
             <a:ext cx="7235354" cy="4330001"/>
           </a:xfrm>
           <a:prstGeom prst="rect">
@@ -6510,7 +6839,7 @@
         </p:nvSpPr>
         <p:spPr>
           <a:xfrm>
-            <a:off x="2595065" y="2163330"/>
+            <a:off x="4837933" y="2103120"/>
             <a:ext cx="6922745" cy="1517274"/>
           </a:xfrm>
           <a:prstGeom prst="rect">

--- a/Documents/Remote_attacks_and_backdoors.pptx
+++ b/Documents/Remote_attacks_and_backdoors.pptx
@@ -129,7 +129,7 @@
 <file path=ppt/revisionInfo.xml><?xml version="1.0" encoding="utf-8"?>
 <p1510:revInfo xmlns:a="http://schemas.openxmlformats.org/drawingml/2006/main" xmlns:r="http://schemas.openxmlformats.org/officeDocument/2006/relationships" xmlns:p1510="http://schemas.microsoft.com/office/powerpoint/2015/10/main">
   <p1510:revLst>
-    <p1510:client id="{0E6B5D30-E784-4DA3-A1ED-8FFBBF9A845B}" v="82" dt="2020-05-05T21:10:30.208"/>
+    <p1510:client id="{0E6B5D30-E784-4DA3-A1ED-8FFBBF9A845B}" v="84" dt="2020-05-05T21:33:04.004"/>
   </p1510:revLst>
 </p1510:revInfo>
 </file>
@@ -4780,7 +4780,7 @@
           <a:p>
             <a:r>
               <a:rPr lang="en-US" dirty="0"/>
-              <a:t>This is where we run into trouble. We try to use a .desktop file to run our script once it is downloaded, but so far the only we can rely on the payload to be executed is if the user runs the program themselves. We can increase the likelihood of this by changing the payload to something less obviously harmful, like a software updater from CISCO. </a:t>
+              <a:t>This is where we run into trouble. We created this which is essentially a desktop shortcut where the script will run. We want to store the file on the desktop so the user sees it and has a higher probability of running our script. </a:t>
             </a:r>
           </a:p>
         </p:txBody>
@@ -4907,7 +4907,46 @@
             </a:r>
             <a:r>
               <a:rPr lang="en-US" dirty="0"/>
-              <a:t>.  </a:t>
+              <a:t>. </a:t>
+            </a:r>
+            <a:br>
+              <a:rPr lang="en-US" dirty="0"/>
+            </a:br>
+            <a:br>
+              <a:rPr lang="en-US" dirty="0"/>
+            </a:br>
+            <a:br>
+              <a:rPr lang="en-US" dirty="0"/>
+            </a:br>
+            <a:br>
+              <a:rPr lang="en-US" dirty="0"/>
+            </a:br>
+            <a:br>
+              <a:rPr lang="en-US" dirty="0"/>
+            </a:br>
+            <a:br>
+              <a:rPr lang="en-US" dirty="0"/>
+            </a:br>
+            <a:br>
+              <a:rPr lang="en-US" dirty="0"/>
+            </a:br>
+            <a:br>
+              <a:rPr lang="en-US" dirty="0"/>
+            </a:br>
+            <a:br>
+              <a:rPr lang="en-US" dirty="0"/>
+            </a:br>
+            <a:r>
+              <a:rPr lang="en-US" dirty="0"/>
+              <a:t>The victim’s machine will ping the attacker’s machine, and the shell switches over to kali, exactly as if you were to </a:t>
+            </a:r>
+            <a:r>
+              <a:rPr lang="en-US" dirty="0" err="1"/>
+              <a:t>ssh</a:t>
+            </a:r>
+            <a:r>
+              <a:rPr lang="en-US" dirty="0"/>
+              <a:t> into the machine. </a:t>
             </a:r>
           </a:p>
         </p:txBody>
@@ -5133,13 +5172,25 @@
           <a:p>
             <a:r>
               <a:rPr lang="en-US" dirty="0"/>
-              <a:t>The computer that we want to attack must be a Linux or UNIX flavor that has a bash shell before the patch to Shellshock was introduced on Sept 24, 2014 (Version 4.3). </a:t>
+              <a:t>This technique doesn’t open a shell with root access unless the user we hacked into has root access on their machine.</a:t>
             </a:r>
           </a:p>
           <a:p>
             <a:r>
               <a:rPr lang="en-US" dirty="0"/>
               <a:t>The user must also have permissions on the computer to be able to create and edit their own crontabs so that the payload can be executed automatically every minute.</a:t>
+            </a:r>
+          </a:p>
+          <a:p>
+            <a:r>
+              <a:rPr lang="en-US" dirty="0"/>
+              <a:t>This will only work if the computers are connected to the same network, not over the internet. It is the only way to intercept their traffic and redirect them to the spoofed website.</a:t>
+            </a:r>
+          </a:p>
+          <a:p>
+            <a:r>
+              <a:rPr lang="en-US" dirty="0"/>
+              <a:t>The attacker does not gain access immediately. They must rely on social engineering tactics and wait for the user to run their script from the desktop first. In some cases, they may not run the script at all.</a:t>
             </a:r>
           </a:p>
         </p:txBody>
@@ -5240,7 +5291,7 @@
             </a:pPr>
             <a:r>
               <a:rPr lang="en-US" b="1" dirty="0"/>
-              <a:t>2. Avoid open Wi-Fi networks</a:t>
+              <a:t>2. Avoid open Wi-Fi networks if possible</a:t>
             </a:r>
           </a:p>
           <a:p>
@@ -5258,7 +5309,13 @@
               <a:rPr lang="en-US" b="1" dirty="0"/>
               <a:t>3. Use a VPN</a:t>
             </a:r>
-            <a:endParaRPr lang="en-US" dirty="0"/>
+          </a:p>
+          <a:p>
+            <a:pPr lvl="1"/>
+            <a:r>
+              <a:rPr lang="en-US" dirty="0"/>
+              <a:t>Your data will be encrypted and your location will be secure</a:t>
+            </a:r>
           </a:p>
           <a:p>
             <a:pPr marL="0" indent="0">
@@ -5273,7 +5330,7 @@
             <a:pPr lvl="1"/>
             <a:r>
               <a:rPr lang="en-US" dirty="0"/>
-              <a:t>The weakest link in a network is an entry point that can be exploited for easy access to other devices</a:t>
+              <a:t>Interestingly, when you can get the MAC address of a single device, you can see the MAC addresses of all devices connected to that device. The less devices on your network, the better.</a:t>
             </a:r>
           </a:p>
           <a:p>
@@ -5289,7 +5346,7 @@
             <a:pPr lvl="1"/>
             <a:r>
               <a:rPr lang="en-US" dirty="0"/>
-              <a:t>Keep 3-5 unique passwords or similar variants of 2-3 passwords</a:t>
+              <a:t>Keep 3-5 unique passwords or a password generator.</a:t>
             </a:r>
           </a:p>
           <a:p>
@@ -5298,8 +5355,22 @@
             </a:pPr>
             <a:r>
               <a:rPr lang="en-US" b="1" dirty="0"/>
-              <a:t>6. Don’t click on suspicious links</a:t>
-            </a:r>
+              <a:t>6. Don’t click on suspicious links/buttons</a:t>
+            </a:r>
+          </a:p>
+          <a:p>
+            <a:pPr marL="0" indent="0">
+              <a:buNone/>
+            </a:pPr>
+            <a:r>
+              <a:rPr lang="en-US" b="1" dirty="0"/>
+              <a:t>7. Listen to warnings your device gives you. They’re probably for a </a:t>
+            </a:r>
+            <a:r>
+              <a:rPr lang="en-US" b="1"/>
+              <a:t>good reason</a:t>
+            </a:r>
+            <a:endParaRPr lang="en-US" b="1" dirty="0"/>
           </a:p>
         </p:txBody>
       </p:sp>
@@ -5602,17 +5673,17 @@
           <a:p>
             <a:r>
               <a:rPr lang="en-US" sz="1800" b="1" dirty="0"/>
-              <a:t>Shellshock/Backdoor: V</a:t>
+              <a:t>Crontab/Backdoor: </a:t>
             </a:r>
             <a:r>
               <a:rPr lang="en-US" sz="1800" dirty="0"/>
-              <a:t>ulnerability in Bash shells from version 1.0.3 (Sept 1, 1989) to 4.3 (Sept 24, 2014). We can create a reverse shell on a victim’s machine without the user detecting any odd or suspicious behavior. We also use other Linux utilities like crontab to execute our payload every minute.</a:t>
+              <a:t>We can create a reverse shell on a victim’s machine without the user detecting any odd or suspicious behavior. We also use other Linux utilities like crontab to execute our payload every minute.</a:t>
             </a:r>
           </a:p>
           <a:p>
             <a:r>
               <a:rPr lang="en-US" sz="1800" b="1" dirty="0"/>
-              <a:t>Captive Portal/</a:t>
+              <a:t>Malicious site/</a:t>
             </a:r>
             <a:r>
               <a:rPr lang="en-US" sz="1800" b="1" dirty="0" err="1"/>
@@ -5689,7 +5760,7 @@
           <a:p>
             <a:r>
               <a:rPr lang="en-US" dirty="0"/>
-              <a:t>Captive Portal</a:t>
+              <a:t>Malicious site</a:t>
             </a:r>
           </a:p>
         </p:txBody>
@@ -5733,6 +5804,12 @@
             <a:r>
               <a:rPr lang="en-US" dirty="0"/>
               <a:t>This is an effective approach because if traffic is managed carefully enough, the victim will not even realize that their device has become compromised. If they try to use a login prompt and enter another webpage, the attacker can log their keystrokes, stealing their credentials, and still redirect them to their desired page with ease. </a:t>
+            </a:r>
+          </a:p>
+          <a:p>
+            <a:r>
+              <a:rPr lang="en-US" dirty="0"/>
+              <a:t>This is also a way to farm credentials from users who enter their actual passwords.</a:t>
             </a:r>
           </a:p>
         </p:txBody>
@@ -5796,7 +5873,7 @@
             <a:pPr algn="ctr"/>
             <a:r>
               <a:rPr lang="en-US" dirty="0"/>
-              <a:t>Captive Portal Example</a:t>
+              <a:t>Malicious site example</a:t>
             </a:r>
           </a:p>
         </p:txBody>
@@ -5901,7 +5978,7 @@
           <a:p>
             <a:r>
               <a:rPr lang="en-US" dirty="0"/>
-              <a:t>Setting up a captive portal is a chore</a:t>
+              <a:t>Setting up the page is a chore</a:t>
             </a:r>
           </a:p>
         </p:txBody>
@@ -6817,8 +6894,8 @@
         </p:blipFill>
         <p:spPr>
           <a:xfrm>
-            <a:off x="4467816" y="1862931"/>
-            <a:ext cx="7235354" cy="4330001"/>
+            <a:off x="5940672" y="1437549"/>
+            <a:ext cx="3962451" cy="2628554"/>
           </a:xfrm>
           <a:prstGeom prst="rect">
             <a:avLst/>
@@ -6839,8 +6916,8 @@
         </p:nvSpPr>
         <p:spPr>
           <a:xfrm>
-            <a:off x="4837933" y="2103120"/>
-            <a:ext cx="6922745" cy="1517274"/>
+            <a:off x="6096000" y="1570008"/>
+            <a:ext cx="3807123" cy="914400"/>
           </a:xfrm>
           <a:prstGeom prst="rect">
             <a:avLst/>
@@ -6877,6 +6954,36 @@
           </a:p>
         </p:txBody>
       </p:sp>
+      <p:pic>
+        <p:nvPicPr>
+          <p:cNvPr id="6" name="Picture 5">
+            <a:extLst>
+              <a:ext uri="{FF2B5EF4-FFF2-40B4-BE49-F238E27FC236}">
+                <a16:creationId xmlns:a16="http://schemas.microsoft.com/office/drawing/2014/main" id="{2ADA4521-1862-49AA-893D-02244D792CDA}"/>
+              </a:ext>
+            </a:extLst>
+          </p:cNvPr>
+          <p:cNvPicPr>
+            <a:picLocks noChangeAspect="1"/>
+          </p:cNvPicPr>
+          <p:nvPr/>
+        </p:nvPicPr>
+        <p:blipFill>
+          <a:blip r:embed="rId3"/>
+          <a:stretch>
+            <a:fillRect/>
+          </a:stretch>
+        </p:blipFill>
+        <p:spPr>
+          <a:xfrm>
+            <a:off x="5440393" y="4123371"/>
+            <a:ext cx="5360418" cy="2626925"/>
+          </a:xfrm>
+          <a:prstGeom prst="rect">
+            <a:avLst/>
+          </a:prstGeom>
+        </p:spPr>
+      </p:pic>
     </p:spTree>
     <p:extLst>
       <p:ext uri="{BB962C8B-B14F-4D97-AF65-F5344CB8AC3E}">
@@ -7176,15 +7283,6 @@
 </file>
 
 <file path=customXml/item2.xml><?xml version="1.0" encoding="utf-8"?>
-<?mso-contentType ?>
-<FormTemplates xmlns="http://schemas.microsoft.com/sharepoint/v3/contenttype/forms">
-  <Display>DocumentLibraryForm</Display>
-  <Edit>DocumentLibraryForm</Edit>
-  <New>DocumentLibraryForm</New>
-</FormTemplates>
-</file>
-
-<file path=customXml/item3.xml><?xml version="1.0" encoding="utf-8"?>
 <ct:contentTypeSchema xmlns:ct="http://schemas.microsoft.com/office/2006/metadata/contentType" xmlns:ma="http://schemas.microsoft.com/office/2006/metadata/properties/metaAttributes" ct:_="" ma:_="" ma:contentTypeName="Document" ma:contentTypeID="0x01010079F111ED35F8CC479449609E8A0923A6" ma:contentTypeVersion="12" ma:contentTypeDescription="Create a new document." ma:contentTypeScope="" ma:versionID="a410dd7f93c95333ffa1b60ed6adedd1">
   <xsd:schema xmlns:xsd="http://www.w3.org/2001/XMLSchema" xmlns:xs="http://www.w3.org/2001/XMLSchema" xmlns:p="http://schemas.microsoft.com/office/2006/metadata/properties" xmlns:ns2="71af3243-3dd4-4a8d-8c0d-dd76da1f02a5" xmlns:ns3="16c05727-aa75-4e4a-9b5f-8a80a1165891" targetNamespace="http://schemas.microsoft.com/office/2006/metadata/properties" ma:root="true" ma:fieldsID="a936d9baba76aa3866493feff160faab" ns2:_="" ns3:_="">
     <xsd:import namespace="71af3243-3dd4-4a8d-8c0d-dd76da1f02a5"/>
@@ -7405,6 +7503,15 @@
 </ct:contentTypeSchema>
 </file>
 
+<file path=customXml/item3.xml><?xml version="1.0" encoding="utf-8"?>
+<?mso-contentType ?>
+<FormTemplates xmlns="http://schemas.microsoft.com/sharepoint/v3/contenttype/forms">
+  <Display>DocumentLibraryForm</Display>
+  <Edit>DocumentLibraryForm</Edit>
+  <New>DocumentLibraryForm</New>
+</FormTemplates>
+</file>
+
 <file path=customXml/itemProps1.xml><?xml version="1.0" encoding="utf-8"?>
 <ds:datastoreItem xmlns:ds="http://schemas.openxmlformats.org/officeDocument/2006/customXml" ds:itemID="{137651BA-F45C-4845-9AB3-E0A65B39F5E1}">
   <ds:schemaRefs>
@@ -7416,14 +7523,6 @@
 </file>
 
 <file path=customXml/itemProps2.xml><?xml version="1.0" encoding="utf-8"?>
-<ds:datastoreItem xmlns:ds="http://schemas.openxmlformats.org/officeDocument/2006/customXml" ds:itemID="{CDB58277-F8DF-46FF-84EC-EF41B835E69F}">
-  <ds:schemaRefs>
-    <ds:schemaRef ds:uri="http://schemas.microsoft.com/sharepoint/v3/contenttype/forms"/>
-  </ds:schemaRefs>
-</ds:datastoreItem>
-</file>
-
-<file path=customXml/itemProps3.xml><?xml version="1.0" encoding="utf-8"?>
 <ds:datastoreItem xmlns:ds="http://schemas.openxmlformats.org/officeDocument/2006/customXml" ds:itemID="{2D276E62-80A3-44DD-9BCC-97ED2B99B57F}">
   <ds:schemaRefs>
     <ds:schemaRef ds:uri="http://schemas.microsoft.com/office/2006/metadata/contentType"/>
@@ -7440,4 +7539,12 @@
     <ds:schemaRef ds:uri="http://schemas.microsoft.com/internal/obd"/>
   </ds:schemaRefs>
 </ds:datastoreItem>
+</file>
+
+<file path=customXml/itemProps3.xml><?xml version="1.0" encoding="utf-8"?>
+<ds:datastoreItem xmlns:ds="http://schemas.openxmlformats.org/officeDocument/2006/customXml" ds:itemID="{CDB58277-F8DF-46FF-84EC-EF41B835E69F}">
+  <ds:schemaRefs>
+    <ds:schemaRef ds:uri="http://schemas.microsoft.com/sharepoint/v3/contenttype/forms"/>
+  </ds:schemaRefs>
+</ds:datastoreItem>
 </file>
--- a/Documents/Remote_attacks_and_backdoors.pptx
+++ b/Documents/Remote_attacks_and_backdoors.pptx
@@ -5193,6 +5193,12 @@
               <a:t>The attacker does not gain access immediately. They must rely on social engineering tactics and wait for the user to run their script from the desktop first. In some cases, they may not run the script at all.</a:t>
             </a:r>
           </a:p>
+          <a:p>
+            <a:r>
+              <a:rPr lang="en-US" dirty="0"/>
+              <a:t>Our payload leaves the IP address of our computer on the victim’s machine. If a forensics investigator were to find that file, they might be able to track the IP address back to the attacker.</a:t>
+            </a:r>
+          </a:p>
         </p:txBody>
       </p:sp>
     </p:spTree>
@@ -5673,7 +5679,7 @@
           <a:p>
             <a:r>
               <a:rPr lang="en-US" sz="1800" b="1" dirty="0"/>
-              <a:t>Crontab/Backdoor: </a:t>
+              <a:t>Crontab/Bash: </a:t>
             </a:r>
             <a:r>
               <a:rPr lang="en-US" sz="1800" dirty="0"/>
@@ -7283,6 +7289,15 @@
 </file>
 
 <file path=customXml/item2.xml><?xml version="1.0" encoding="utf-8"?>
+<?mso-contentType ?>
+<FormTemplates xmlns="http://schemas.microsoft.com/sharepoint/v3/contenttype/forms">
+  <Display>DocumentLibraryForm</Display>
+  <Edit>DocumentLibraryForm</Edit>
+  <New>DocumentLibraryForm</New>
+</FormTemplates>
+</file>
+
+<file path=customXml/item3.xml><?xml version="1.0" encoding="utf-8"?>
 <ct:contentTypeSchema xmlns:ct="http://schemas.microsoft.com/office/2006/metadata/contentType" xmlns:ma="http://schemas.microsoft.com/office/2006/metadata/properties/metaAttributes" ct:_="" ma:_="" ma:contentTypeName="Document" ma:contentTypeID="0x01010079F111ED35F8CC479449609E8A0923A6" ma:contentTypeVersion="12" ma:contentTypeDescription="Create a new document." ma:contentTypeScope="" ma:versionID="a410dd7f93c95333ffa1b60ed6adedd1">
   <xsd:schema xmlns:xsd="http://www.w3.org/2001/XMLSchema" xmlns:xs="http://www.w3.org/2001/XMLSchema" xmlns:p="http://schemas.microsoft.com/office/2006/metadata/properties" xmlns:ns2="71af3243-3dd4-4a8d-8c0d-dd76da1f02a5" xmlns:ns3="16c05727-aa75-4e4a-9b5f-8a80a1165891" targetNamespace="http://schemas.microsoft.com/office/2006/metadata/properties" ma:root="true" ma:fieldsID="a936d9baba76aa3866493feff160faab" ns2:_="" ns3:_="">
     <xsd:import namespace="71af3243-3dd4-4a8d-8c0d-dd76da1f02a5"/>
@@ -7503,15 +7518,6 @@
 </ct:contentTypeSchema>
 </file>
 
-<file path=customXml/item3.xml><?xml version="1.0" encoding="utf-8"?>
-<?mso-contentType ?>
-<FormTemplates xmlns="http://schemas.microsoft.com/sharepoint/v3/contenttype/forms">
-  <Display>DocumentLibraryForm</Display>
-  <Edit>DocumentLibraryForm</Edit>
-  <New>DocumentLibraryForm</New>
-</FormTemplates>
-</file>
-
 <file path=customXml/itemProps1.xml><?xml version="1.0" encoding="utf-8"?>
 <ds:datastoreItem xmlns:ds="http://schemas.openxmlformats.org/officeDocument/2006/customXml" ds:itemID="{137651BA-F45C-4845-9AB3-E0A65B39F5E1}">
   <ds:schemaRefs>
@@ -7523,6 +7529,14 @@
 </file>
 
 <file path=customXml/itemProps2.xml><?xml version="1.0" encoding="utf-8"?>
+<ds:datastoreItem xmlns:ds="http://schemas.openxmlformats.org/officeDocument/2006/customXml" ds:itemID="{CDB58277-F8DF-46FF-84EC-EF41B835E69F}">
+  <ds:schemaRefs>
+    <ds:schemaRef ds:uri="http://schemas.microsoft.com/sharepoint/v3/contenttype/forms"/>
+  </ds:schemaRefs>
+</ds:datastoreItem>
+</file>
+
+<file path=customXml/itemProps3.xml><?xml version="1.0" encoding="utf-8"?>
 <ds:datastoreItem xmlns:ds="http://schemas.openxmlformats.org/officeDocument/2006/customXml" ds:itemID="{2D276E62-80A3-44DD-9BCC-97ED2B99B57F}">
   <ds:schemaRefs>
     <ds:schemaRef ds:uri="http://schemas.microsoft.com/office/2006/metadata/contentType"/>
@@ -7539,12 +7553,4 @@
     <ds:schemaRef ds:uri="http://schemas.microsoft.com/internal/obd"/>
   </ds:schemaRefs>
 </ds:datastoreItem>
-</file>
-
-<file path=customXml/itemProps3.xml><?xml version="1.0" encoding="utf-8"?>
-<ds:datastoreItem xmlns:ds="http://schemas.openxmlformats.org/officeDocument/2006/customXml" ds:itemID="{CDB58277-F8DF-46FF-84EC-EF41B835E69F}">
-  <ds:schemaRefs>
-    <ds:schemaRef ds:uri="http://schemas.microsoft.com/sharepoint/v3/contenttype/forms"/>
-  </ds:schemaRefs>
-</ds:datastoreItem>
 </file>